--- a/src/test/resources/for-slide.pptx
+++ b/src/test/resources/for-slide.pptx
@@ -113,6 +113,22 @@
       </a:defRPr>
     </a:lvl9pPr>
   </p:defaultTextStyle>
+  <p:extLst>
+    <p:ext uri="{EFAFB233-063F-42B5-8137-9DF3F51BA10A}">
+      <p15:sldGuideLst xmlns:p15="http://schemas.microsoft.com/office/powerpoint/2012/main">
+        <p15:guide id="1" orient="horz" pos="2160" userDrawn="1">
+          <p15:clr>
+            <a:srgbClr val="A4A3A4"/>
+          </p15:clr>
+        </p15:guide>
+        <p15:guide id="2" pos="3838" userDrawn="1">
+          <p15:clr>
+            <a:srgbClr val="A4A3A4"/>
+          </p15:clr>
+        </p15:guide>
+      </p15:sldGuideLst>
+    </p:ext>
+  </p:extLst>
 </p:presentation>
 </file>
 
@@ -4832,6 +4848,59 @@
           </a:graphicData>
         </a:graphic>
       </p:graphicFrame>
+      <p:sp>
+        <p:nvSpPr>
+          <p:cNvPr id="4" name="文本框 3"/>
+          <p:cNvSpPr txBox="1"/>
+          <p:nvPr/>
+        </p:nvSpPr>
+        <p:spPr>
+          <a:xfrm>
+            <a:off x="7099935" y="862330"/>
+            <a:ext cx="4064000" cy="368300"/>
+          </a:xfrm>
+          <a:prstGeom prst="rect">
+            <a:avLst/>
+          </a:prstGeom>
+          <a:noFill/>
+        </p:spPr>
+        <p:txBody>
+          <a:bodyPr wrap="square" rtlCol="0">
+            <a:spAutoFit/>
+          </a:bodyPr>
+          <a:p>
+            <a:r>
+              <a:rPr lang="zh-CN" altLang="en-US"/>
+              <a:t>第#</a:t>
+            </a:r>
+            <a:r>
+              <a:rPr lang="en-US" altLang="zh-CN"/>
+              <a:t>{#</a:t>
+            </a:r>
+            <a:r>
+              <a:rPr lang="zh-CN" altLang="en-US"/>
+              <a:t>pages[#_index_]['</a:t>
+            </a:r>
+            <a:r>
+              <a:rPr lang="en-US" altLang="zh-CN"/>
+              <a:t>page</a:t>
+            </a:r>
+            <a:r>
+              <a:rPr lang="zh-CN" altLang="en-US"/>
+              <a:t>']</a:t>
+            </a:r>
+            <a:r>
+              <a:rPr lang="en-US" altLang="zh-CN"/>
+              <a:t>}</a:t>
+            </a:r>
+            <a:r>
+              <a:rPr lang="zh-CN" altLang="en-US"/>
+              <a:t>页</a:t>
+            </a:r>
+            <a:endParaRPr lang="zh-CN" altLang="en-US"/>
+          </a:p>
+        </p:txBody>
+      </p:sp>
     </p:spTree>
     <p:custDataLst>
       <p:tags r:id="rId3"/>
@@ -5810,7 +5879,7 @@
 
 <file path=ppt/tags/tag63.xml><?xml version="1.0" encoding="utf-8"?>
 <p:tagLst xmlns:p="http://schemas.openxmlformats.org/presentationml/2006/main">
-  <p:tag name="KSO_WM_UNIT_TABLE_BEAUTIFY" val="smartTable{5a850f92-f919-433e-b824-0cfc9506cd96}"/>
+  <p:tag name="KSO_WM_UNIT_TABLE_BEAUTIFY" val="smartTable{489a96c7-8077-4269-ac95-404eeae5bd64}"/>
   <p:tag name="TABLE_ENDDRAG_ORIGIN_RECT" val="444*221"/>
   <p:tag name="TABLE_ENDDRAG_RECT" val="483*167*444*221"/>
 </p:tagLst>
@@ -5851,6 +5920,7 @@
 <file path=ppt/tags/tag68.xml><?xml version="1.0" encoding="utf-8"?>
 <p:tagLst xmlns:p="http://schemas.openxmlformats.org/presentationml/2006/main">
   <p:tag name="COMMONDATA" val="eyJoZGlkIjoiYjBiNDk5NDhjYTE0ZDkzNWI1ODg5ZmM3NWQwODVjMDAifQ=="/>
+  <p:tag name="commondata" val="eyJoZGlkIjoiMTgwOGRmNzYxMmJjZDhiYWY5Yjg1MWFiMTZhYmI5MDgifQ=="/>
 </p:tagLst>
 </file>
 

--- a/src/test/resources/for-slide.pptx
+++ b/src/test/resources/for-slide.pptx
@@ -4649,10 +4649,30 @@
                   <a:txBody>
                     <a:bodyPr/>
                     <a:p>
-                      <a:pPr>
+                      <a:pPr algn="ctr">
                         <a:buNone/>
                       </a:pPr>
-                      <a:endParaRPr lang="zh-CN" altLang="en-US"/>
+                      <a:r>
+                        <a:rPr lang="zh-CN" altLang="en-US">
+                          <a:solidFill>
+                            <a:srgbClr val="FF0000"/>
+                          </a:solidFill>
+                        </a:rPr>
+                        <a:t>样式</a:t>
+                      </a:r>
+                      <a:r>
+                        <a:rPr lang="en-US" altLang="zh-CN">
+                          <a:solidFill>
+                            <a:srgbClr val="FF0000"/>
+                          </a:solidFill>
+                        </a:rPr>
+                        <a:t>1</a:t>
+                      </a:r>
+                      <a:endParaRPr lang="en-US" altLang="zh-CN">
+                        <a:solidFill>
+                          <a:srgbClr val="FF0000"/>
+                        </a:solidFill>
+                      </a:endParaRPr>
                     </a:p>
                   </a:txBody>
                   <a:tcPr/>
@@ -4664,7 +4684,30 @@
                       <a:pPr>
                         <a:buNone/>
                       </a:pPr>
-                      <a:endParaRPr lang="zh-CN" altLang="en-US"/>
+                      <a:r>
+                        <a:rPr lang="zh-CN" altLang="en-US">
+                          <a:solidFill>
+                            <a:schemeClr val="accent6"/>
+                          </a:solidFill>
+                          <a:highlight>
+                            <a:srgbClr val="FFFF00"/>
+                          </a:highlight>
+                        </a:rPr>
+                        <a:t>样式</a:t>
+                      </a:r>
+                      <a:r>
+                        <a:rPr lang="en-US" altLang="zh-CN">
+                          <a:highlight>
+                            <a:srgbClr val="FFFF00"/>
+                          </a:highlight>
+                        </a:rPr>
+                        <a:t>2</a:t>
+                      </a:r>
+                      <a:endParaRPr lang="en-US" altLang="zh-CN">
+                        <a:highlight>
+                          <a:srgbClr val="FFFF00"/>
+                        </a:highlight>
+                      </a:endParaRPr>
                     </a:p>
                   </a:txBody>
                   <a:tcPr/>
@@ -4676,7 +4719,27 @@
                       <a:pPr>
                         <a:buNone/>
                       </a:pPr>
-                      <a:endParaRPr lang="zh-CN" altLang="en-US"/>
+                      <a:r>
+                        <a:rPr lang="zh-CN" altLang="en-US">
+                          <a:solidFill>
+                            <a:schemeClr val="accent3"/>
+                          </a:solidFill>
+                        </a:rPr>
+                        <a:t>样式</a:t>
+                      </a:r>
+                      <a:r>
+                        <a:rPr lang="en-US" altLang="zh-CN">
+                          <a:solidFill>
+                            <a:schemeClr val="accent3"/>
+                          </a:solidFill>
+                        </a:rPr>
+                        <a:t>3</a:t>
+                      </a:r>
+                      <a:endParaRPr lang="en-US" altLang="zh-CN">
+                        <a:solidFill>
+                          <a:schemeClr val="accent3"/>
+                        </a:solidFill>
+                      </a:endParaRPr>
                     </a:p>
                   </a:txBody>
                   <a:tcPr/>
@@ -4776,7 +4839,15 @@
                       <a:pPr>
                         <a:buNone/>
                       </a:pPr>
-                      <a:endParaRPr lang="zh-CN" altLang="en-US"/>
+                      <a:r>
+                        <a:rPr lang="zh-CN" altLang="en-US" sz="2800"/>
+                        <a:t>样式</a:t>
+                      </a:r>
+                      <a:r>
+                        <a:rPr lang="en-US" altLang="zh-CN" sz="2800"/>
+                        <a:t>4</a:t>
+                      </a:r>
+                      <a:endParaRPr lang="en-US" altLang="zh-CN" sz="2800"/>
                     </a:p>
                   </a:txBody>
                   <a:tcPr/>
@@ -4788,7 +4859,15 @@
                       <a:pPr>
                         <a:buNone/>
                       </a:pPr>
-                      <a:endParaRPr lang="zh-CN" altLang="en-US"/>
+                      <a:r>
+                        <a:rPr lang="zh-CN" altLang="en-US" sz="1200"/>
+                        <a:t>样式</a:t>
+                      </a:r>
+                      <a:r>
+                        <a:rPr lang="en-US" altLang="zh-CN" sz="1200"/>
+                        <a:t>5</a:t>
+                      </a:r>
+                      <a:endParaRPr lang="en-US" altLang="zh-CN" sz="1200"/>
                     </a:p>
                   </a:txBody>
                   <a:tcPr/>
@@ -5879,7 +5958,7 @@
 
 <file path=ppt/tags/tag63.xml><?xml version="1.0" encoding="utf-8"?>
 <p:tagLst xmlns:p="http://schemas.openxmlformats.org/presentationml/2006/main">
-  <p:tag name="KSO_WM_UNIT_TABLE_BEAUTIFY" val="smartTable{489a96c7-8077-4269-ac95-404eeae5bd64}"/>
+  <p:tag name="KSO_WM_UNIT_TABLE_BEAUTIFY" val="smartTable{a8c0939d-5938-4522-8d2b-2afacb884dbd}"/>
   <p:tag name="TABLE_ENDDRAG_ORIGIN_RECT" val="444*221"/>
   <p:tag name="TABLE_ENDDRAG_RECT" val="483*167*444*221"/>
 </p:tagLst>
@@ -5920,7 +5999,7 @@
 <file path=ppt/tags/tag68.xml><?xml version="1.0" encoding="utf-8"?>
 <p:tagLst xmlns:p="http://schemas.openxmlformats.org/presentationml/2006/main">
   <p:tag name="COMMONDATA" val="eyJoZGlkIjoiYjBiNDk5NDhjYTE0ZDkzNWI1ODg5ZmM3NWQwODVjMDAifQ=="/>
-  <p:tag name="commondata" val="eyJoZGlkIjoiMTgwOGRmNzYxMmJjZDhiYWY5Yjg1MWFiMTZhYmI5MDgifQ=="/>
+  <p:tag name="commondata" val="eyJoZGlkIjoiNDgwODFlYzk1ZDNlMGUwOTkyZjM1YWVhYTU1NWVhMDgifQ=="/>
 </p:tagLst>
 </file>
 

--- a/src/test/resources/for-slide.pptx
+++ b/src/test/resources/for-slide.pptx
@@ -4949,34 +4949,80 @@
           </a:bodyPr>
           <a:p>
             <a:r>
-              <a:rPr lang="zh-CN" altLang="en-US"/>
-              <a:t>第#</a:t>
-            </a:r>
-            <a:r>
-              <a:rPr lang="en-US" altLang="zh-CN"/>
+              <a:rPr lang="zh-CN" altLang="en-US">
+                <a:solidFill>
+                  <a:schemeClr val="accent1"/>
+                </a:solidFill>
+              </a:rPr>
+              <a:t>第</a:t>
+            </a:r>
+            <a:r>
+              <a:rPr lang="zh-CN" altLang="en-US">
+                <a:solidFill>
+                  <a:srgbClr val="FF0000"/>
+                </a:solidFill>
+              </a:rPr>
+              <a:t>#</a:t>
+            </a:r>
+            <a:r>
+              <a:rPr lang="en-US" altLang="zh-CN">
+                <a:solidFill>
+                  <a:srgbClr val="FF0000"/>
+                </a:solidFill>
+              </a:rPr>
               <a:t>{#</a:t>
             </a:r>
             <a:r>
-              <a:rPr lang="zh-CN" altLang="en-US"/>
+              <a:rPr lang="zh-CN" altLang="en-US">
+                <a:solidFill>
+                  <a:srgbClr val="FF0000"/>
+                </a:solidFill>
+              </a:rPr>
               <a:t>pages[#_index_]['</a:t>
             </a:r>
             <a:r>
-              <a:rPr lang="en-US" altLang="zh-CN"/>
+              <a:rPr lang="en-US" altLang="zh-CN">
+                <a:solidFill>
+                  <a:srgbClr val="FF0000"/>
+                </a:solidFill>
+              </a:rPr>
               <a:t>page</a:t>
             </a:r>
             <a:r>
-              <a:rPr lang="zh-CN" altLang="en-US"/>
+              <a:rPr lang="zh-CN" altLang="en-US">
+                <a:solidFill>
+                  <a:srgbClr val="FF0000"/>
+                </a:solidFill>
+              </a:rPr>
               <a:t>']</a:t>
             </a:r>
             <a:r>
-              <a:rPr lang="en-US" altLang="zh-CN"/>
+              <a:rPr lang="en-US" altLang="zh-CN">
+                <a:solidFill>
+                  <a:srgbClr val="FF0000"/>
+                </a:solidFill>
+              </a:rPr>
               <a:t>}</a:t>
             </a:r>
             <a:r>
-              <a:rPr lang="zh-CN" altLang="en-US"/>
+              <a:rPr lang="zh-CN" altLang="en-US">
+                <a:solidFill>
+                  <a:srgbClr val="FF0000"/>
+                </a:solidFill>
+                <a:highlight>
+                  <a:srgbClr val="FFFF00"/>
+                </a:highlight>
+              </a:rPr>
               <a:t>页</a:t>
             </a:r>
-            <a:endParaRPr lang="zh-CN" altLang="en-US"/>
+            <a:endParaRPr lang="zh-CN" altLang="en-US">
+              <a:solidFill>
+                <a:srgbClr val="FF0000"/>
+              </a:solidFill>
+              <a:highlight>
+                <a:srgbClr val="FFFF00"/>
+              </a:highlight>
+            </a:endParaRPr>
           </a:p>
         </p:txBody>
       </p:sp>
@@ -5999,7 +6045,7 @@
 <file path=ppt/tags/tag68.xml><?xml version="1.0" encoding="utf-8"?>
 <p:tagLst xmlns:p="http://schemas.openxmlformats.org/presentationml/2006/main">
   <p:tag name="COMMONDATA" val="eyJoZGlkIjoiYjBiNDk5NDhjYTE0ZDkzNWI1ODg5ZmM3NWQwODVjMDAifQ=="/>
-  <p:tag name="commondata" val="eyJoZGlkIjoiNDgwODFlYzk1ZDNlMGUwOTkyZjM1YWVhYTU1NWVhMDgifQ=="/>
+  <p:tag name="commondata" val="eyJoZGlkIjoiMTgwOGRmNzYxMmJjZDhiYWY5Yjg1MWFiMTZhYmI5MDgifQ=="/>
 </p:tagLst>
 </file>
 

--- a/src/test/resources/for-slide.pptx
+++ b/src/test/resources/for-slide.pptx
@@ -4629,7 +4629,7 @@
           </p:nvPr>
         </p:nvGraphicFramePr>
         <p:xfrm>
-          <a:off x="6136005" y="2121535"/>
+          <a:off x="6096000" y="1431290"/>
           <a:ext cx="5643880" cy="2817495"/>
         </p:xfrm>
         <a:graphic>
@@ -4961,46 +4961,38 @@
                 <a:solidFill>
                   <a:srgbClr val="FF0000"/>
                 </a:solidFill>
+                <a:latin typeface="微软雅黑" panose="020B0503020204020204" charset="-122"/>
+                <a:ea typeface="微软雅黑" panose="020B0503020204020204" charset="-122"/>
               </a:rPr>
-              <a:t>#</a:t>
+              <a:t>#{#pages[#_index_]['</a:t>
             </a:r>
             <a:r>
               <a:rPr lang="en-US" altLang="zh-CN">
                 <a:solidFill>
                   <a:srgbClr val="FF0000"/>
                 </a:solidFill>
+                <a:latin typeface="微软雅黑" panose="020B0503020204020204" charset="-122"/>
+                <a:ea typeface="微软雅黑" panose="020B0503020204020204" charset="-122"/>
               </a:rPr>
-              <a:t>{#</a:t>
+              <a:t>page</a:t>
             </a:r>
             <a:r>
               <a:rPr lang="zh-CN" altLang="en-US">
                 <a:solidFill>
                   <a:srgbClr val="FF0000"/>
                 </a:solidFill>
+                <a:latin typeface="微软雅黑" panose="020B0503020204020204" charset="-122"/>
+                <a:ea typeface="微软雅黑" panose="020B0503020204020204" charset="-122"/>
               </a:rPr>
-              <a:t>pages[#_index_]['</a:t>
+              <a:t>']</a:t>
             </a:r>
             <a:r>
               <a:rPr lang="en-US" altLang="zh-CN">
                 <a:solidFill>
                   <a:srgbClr val="FF0000"/>
                 </a:solidFill>
-              </a:rPr>
-              <a:t>page</a:t>
-            </a:r>
-            <a:r>
-              <a:rPr lang="zh-CN" altLang="en-US">
-                <a:solidFill>
-                  <a:srgbClr val="FF0000"/>
-                </a:solidFill>
-              </a:rPr>
-              <a:t>']</a:t>
-            </a:r>
-            <a:r>
-              <a:rPr lang="en-US" altLang="zh-CN">
-                <a:solidFill>
-                  <a:srgbClr val="FF0000"/>
-                </a:solidFill>
+                <a:latin typeface="微软雅黑" panose="020B0503020204020204" charset="-122"/>
+                <a:ea typeface="微软雅黑" panose="020B0503020204020204" charset="-122"/>
               </a:rPr>
               <a:t>}</a:t>
             </a:r>
@@ -5026,9 +5018,33 @@
           </a:p>
         </p:txBody>
       </p:sp>
+      <p:pic>
+        <p:nvPicPr>
+          <p:cNvPr id="6" name="图片 5" descr="#pages[#_index_]['img']"/>
+          <p:cNvPicPr>
+            <a:picLocks noChangeAspect="1"/>
+          </p:cNvPicPr>
+          <p:nvPr/>
+        </p:nvPicPr>
+        <p:blipFill>
+          <a:blip r:embed="rId3"/>
+          <a:stretch>
+            <a:fillRect/>
+          </a:stretch>
+        </p:blipFill>
+        <p:spPr>
+          <a:xfrm>
+            <a:off x="6154420" y="4366260"/>
+            <a:ext cx="1717040" cy="1805940"/>
+          </a:xfrm>
+          <a:prstGeom prst="rect">
+            <a:avLst/>
+          </a:prstGeom>
+        </p:spPr>
+      </p:pic>
     </p:spTree>
     <p:custDataLst>
-      <p:tags r:id="rId3"/>
+      <p:tags r:id="rId4"/>
     </p:custDataLst>
   </p:cSld>
   <p:clrMapOvr>
@@ -6004,7 +6020,7 @@
 
 <file path=ppt/tags/tag63.xml><?xml version="1.0" encoding="utf-8"?>
 <p:tagLst xmlns:p="http://schemas.openxmlformats.org/presentationml/2006/main">
-  <p:tag name="KSO_WM_UNIT_TABLE_BEAUTIFY" val="smartTable{a8c0939d-5938-4522-8d2b-2afacb884dbd}"/>
+  <p:tag name="KSO_WM_UNIT_TABLE_BEAUTIFY" val="smartTable{6e7d8082-a54d-4c11-a18b-70beb26c6d76}"/>
   <p:tag name="TABLE_ENDDRAG_ORIGIN_RECT" val="444*221"/>
   <p:tag name="TABLE_ENDDRAG_RECT" val="483*167*444*221"/>
 </p:tagLst>
@@ -6045,7 +6061,7 @@
 <file path=ppt/tags/tag68.xml><?xml version="1.0" encoding="utf-8"?>
 <p:tagLst xmlns:p="http://schemas.openxmlformats.org/presentationml/2006/main">
   <p:tag name="COMMONDATA" val="eyJoZGlkIjoiYjBiNDk5NDhjYTE0ZDkzNWI1ODg5ZmM3NWQwODVjMDAifQ=="/>
-  <p:tag name="commondata" val="eyJoZGlkIjoiMTgwOGRmNzYxMmJjZDhiYWY5Yjg1MWFiMTZhYmI5MDgifQ=="/>
+  <p:tag name="commondata" val="eyJoZGlkIjoiNDgwODFlYzk1ZDNlMGUwOTkyZjM1YWVhYTU1NWVhMDgifQ=="/>
 </p:tagLst>
 </file>
 
